--- a/testing/testing-phase2/测试方案.pptx
+++ b/testing/testing-phase2/测试方案.pptx
@@ -121,7 +121,7 @@
   </p:defaultTextStyle>
   <p:extLst>
     <p:ext uri="{EFAFB233-063F-42B5-8137-9DF3F51BA10A}">
-      <p15:sldGuideLst xmlns:p15="http://schemas.microsoft.com/office/powerpoint/2012/main"/>
+      <p15:sldGuideLst xmlns="" xmlns:p15="http://schemas.microsoft.com/office/powerpoint/2012/main"/>
     </p:ext>
   </p:extLst>
 </p:presentation>
@@ -209,7 +209,7 @@
           <a:p>
             <a:fld id="{684A81E7-E037-463D-BE74-528C1496B358}" type="datetimeFigureOut">
               <a:rPr lang="zh-CN" altLang="en-US" smtClean="0"/>
-              <a:t>2025/1/7</a:t>
+              <a:t>2025/1/24</a:t>
             </a:fld>
             <a:endParaRPr lang="zh-CN" altLang="en-US"/>
           </a:p>
@@ -577,7 +577,7 @@
           <p:cNvPr id="2" name="标题 1">
             <a:extLst>
               <a:ext uri="{FF2B5EF4-FFF2-40B4-BE49-F238E27FC236}">
-                <a16:creationId xmlns:a16="http://schemas.microsoft.com/office/drawing/2014/main" id="{BFEA173E-6035-4FD9-85C9-DA7A195CD881}"/>
+                <a16:creationId xmlns="" xmlns:a16="http://schemas.microsoft.com/office/drawing/2014/main" id="{BFEA173E-6035-4FD9-85C9-DA7A195CD881}"/>
               </a:ext>
             </a:extLst>
           </p:cNvPr>
@@ -614,7 +614,7 @@
           <p:cNvPr id="3" name="副标题 2">
             <a:extLst>
               <a:ext uri="{FF2B5EF4-FFF2-40B4-BE49-F238E27FC236}">
-                <a16:creationId xmlns:a16="http://schemas.microsoft.com/office/drawing/2014/main" id="{9CD1F06F-13E8-491F-9B15-F32C9916B8AB}"/>
+                <a16:creationId xmlns="" xmlns:a16="http://schemas.microsoft.com/office/drawing/2014/main" id="{9CD1F06F-13E8-491F-9B15-F32C9916B8AB}"/>
               </a:ext>
             </a:extLst>
           </p:cNvPr>
@@ -684,7 +684,7 @@
           <p:cNvPr id="4" name="日期占位符 3">
             <a:extLst>
               <a:ext uri="{FF2B5EF4-FFF2-40B4-BE49-F238E27FC236}">
-                <a16:creationId xmlns:a16="http://schemas.microsoft.com/office/drawing/2014/main" id="{46BB191C-13A8-424B-A280-744533C9EE18}"/>
+                <a16:creationId xmlns="" xmlns:a16="http://schemas.microsoft.com/office/drawing/2014/main" id="{46BB191C-13A8-424B-A280-744533C9EE18}"/>
               </a:ext>
             </a:extLst>
           </p:cNvPr>
@@ -702,7 +702,7 @@
           <a:p>
             <a:fld id="{48C41E0C-7723-44D2-BE46-607D21252467}" type="datetimeFigureOut">
               <a:rPr lang="zh-CN" altLang="en-US" smtClean="0"/>
-              <a:t>2025/1/7</a:t>
+              <a:t>2025/1/24</a:t>
             </a:fld>
             <a:endParaRPr lang="zh-CN" altLang="en-US"/>
           </a:p>
@@ -713,7 +713,7 @@
           <p:cNvPr id="5" name="页脚占位符 4">
             <a:extLst>
               <a:ext uri="{FF2B5EF4-FFF2-40B4-BE49-F238E27FC236}">
-                <a16:creationId xmlns:a16="http://schemas.microsoft.com/office/drawing/2014/main" id="{890552B6-8A69-4D15-BACE-32A29712E592}"/>
+                <a16:creationId xmlns="" xmlns:a16="http://schemas.microsoft.com/office/drawing/2014/main" id="{890552B6-8A69-4D15-BACE-32A29712E592}"/>
               </a:ext>
             </a:extLst>
           </p:cNvPr>
@@ -738,7 +738,7 @@
           <p:cNvPr id="6" name="灯片编号占位符 5">
             <a:extLst>
               <a:ext uri="{FF2B5EF4-FFF2-40B4-BE49-F238E27FC236}">
-                <a16:creationId xmlns:a16="http://schemas.microsoft.com/office/drawing/2014/main" id="{8DE39DCB-2392-4B47-AAAB-DF7172B182A4}"/>
+                <a16:creationId xmlns="" xmlns:a16="http://schemas.microsoft.com/office/drawing/2014/main" id="{8DE39DCB-2392-4B47-AAAB-DF7172B182A4}"/>
               </a:ext>
             </a:extLst>
           </p:cNvPr>
@@ -797,7 +797,7 @@
           <p:cNvPr id="2" name="标题 1">
             <a:extLst>
               <a:ext uri="{FF2B5EF4-FFF2-40B4-BE49-F238E27FC236}">
-                <a16:creationId xmlns:a16="http://schemas.microsoft.com/office/drawing/2014/main" id="{7DE1EFF2-6F6C-4295-A074-80544C15EDFE}"/>
+                <a16:creationId xmlns="" xmlns:a16="http://schemas.microsoft.com/office/drawing/2014/main" id="{7DE1EFF2-6F6C-4295-A074-80544C15EDFE}"/>
               </a:ext>
             </a:extLst>
           </p:cNvPr>
@@ -825,7 +825,7 @@
           <p:cNvPr id="3" name="竖排文字占位符 2">
             <a:extLst>
               <a:ext uri="{FF2B5EF4-FFF2-40B4-BE49-F238E27FC236}">
-                <a16:creationId xmlns:a16="http://schemas.microsoft.com/office/drawing/2014/main" id="{197F7789-6CA9-4FB7-827A-8197B91B4C25}"/>
+                <a16:creationId xmlns="" xmlns:a16="http://schemas.microsoft.com/office/drawing/2014/main" id="{197F7789-6CA9-4FB7-827A-8197B91B4C25}"/>
               </a:ext>
             </a:extLst>
           </p:cNvPr>
@@ -882,7 +882,7 @@
           <p:cNvPr id="4" name="日期占位符 3">
             <a:extLst>
               <a:ext uri="{FF2B5EF4-FFF2-40B4-BE49-F238E27FC236}">
-                <a16:creationId xmlns:a16="http://schemas.microsoft.com/office/drawing/2014/main" id="{3FC1C968-AF49-4181-8CF5-728B3A8108E0}"/>
+                <a16:creationId xmlns="" xmlns:a16="http://schemas.microsoft.com/office/drawing/2014/main" id="{3FC1C968-AF49-4181-8CF5-728B3A8108E0}"/>
               </a:ext>
             </a:extLst>
           </p:cNvPr>
@@ -900,7 +900,7 @@
           <a:p>
             <a:fld id="{48C41E0C-7723-44D2-BE46-607D21252467}" type="datetimeFigureOut">
               <a:rPr lang="zh-CN" altLang="en-US" smtClean="0"/>
-              <a:t>2025/1/7</a:t>
+              <a:t>2025/1/24</a:t>
             </a:fld>
             <a:endParaRPr lang="zh-CN" altLang="en-US"/>
           </a:p>
@@ -911,7 +911,7 @@
           <p:cNvPr id="5" name="页脚占位符 4">
             <a:extLst>
               <a:ext uri="{FF2B5EF4-FFF2-40B4-BE49-F238E27FC236}">
-                <a16:creationId xmlns:a16="http://schemas.microsoft.com/office/drawing/2014/main" id="{C635BA8E-239A-455E-87B4-0433F00FC713}"/>
+                <a16:creationId xmlns="" xmlns:a16="http://schemas.microsoft.com/office/drawing/2014/main" id="{C635BA8E-239A-455E-87B4-0433F00FC713}"/>
               </a:ext>
             </a:extLst>
           </p:cNvPr>
@@ -936,7 +936,7 @@
           <p:cNvPr id="6" name="灯片编号占位符 5">
             <a:extLst>
               <a:ext uri="{FF2B5EF4-FFF2-40B4-BE49-F238E27FC236}">
-                <a16:creationId xmlns:a16="http://schemas.microsoft.com/office/drawing/2014/main" id="{2D465286-DEA2-46FF-ADA3-371B1A9FF17E}"/>
+                <a16:creationId xmlns="" xmlns:a16="http://schemas.microsoft.com/office/drawing/2014/main" id="{2D465286-DEA2-46FF-ADA3-371B1A9FF17E}"/>
               </a:ext>
             </a:extLst>
           </p:cNvPr>
@@ -995,7 +995,7 @@
           <p:cNvPr id="2" name="竖排标题 1">
             <a:extLst>
               <a:ext uri="{FF2B5EF4-FFF2-40B4-BE49-F238E27FC236}">
-                <a16:creationId xmlns:a16="http://schemas.microsoft.com/office/drawing/2014/main" id="{37A47259-1CBD-4016-8981-CA3D94095DBB}"/>
+                <a16:creationId xmlns="" xmlns:a16="http://schemas.microsoft.com/office/drawing/2014/main" id="{37A47259-1CBD-4016-8981-CA3D94095DBB}"/>
               </a:ext>
             </a:extLst>
           </p:cNvPr>
@@ -1028,7 +1028,7 @@
           <p:cNvPr id="3" name="竖排文字占位符 2">
             <a:extLst>
               <a:ext uri="{FF2B5EF4-FFF2-40B4-BE49-F238E27FC236}">
-                <a16:creationId xmlns:a16="http://schemas.microsoft.com/office/drawing/2014/main" id="{95968951-3124-4860-B53D-1BFD750CFD35}"/>
+                <a16:creationId xmlns="" xmlns:a16="http://schemas.microsoft.com/office/drawing/2014/main" id="{95968951-3124-4860-B53D-1BFD750CFD35}"/>
               </a:ext>
             </a:extLst>
           </p:cNvPr>
@@ -1090,7 +1090,7 @@
           <p:cNvPr id="4" name="日期占位符 3">
             <a:extLst>
               <a:ext uri="{FF2B5EF4-FFF2-40B4-BE49-F238E27FC236}">
-                <a16:creationId xmlns:a16="http://schemas.microsoft.com/office/drawing/2014/main" id="{BCFB88EF-7B28-4271-A676-ADEDAEFD6993}"/>
+                <a16:creationId xmlns="" xmlns:a16="http://schemas.microsoft.com/office/drawing/2014/main" id="{BCFB88EF-7B28-4271-A676-ADEDAEFD6993}"/>
               </a:ext>
             </a:extLst>
           </p:cNvPr>
@@ -1108,7 +1108,7 @@
           <a:p>
             <a:fld id="{48C41E0C-7723-44D2-BE46-607D21252467}" type="datetimeFigureOut">
               <a:rPr lang="zh-CN" altLang="en-US" smtClean="0"/>
-              <a:t>2025/1/7</a:t>
+              <a:t>2025/1/24</a:t>
             </a:fld>
             <a:endParaRPr lang="zh-CN" altLang="en-US"/>
           </a:p>
@@ -1119,7 +1119,7 @@
           <p:cNvPr id="5" name="页脚占位符 4">
             <a:extLst>
               <a:ext uri="{FF2B5EF4-FFF2-40B4-BE49-F238E27FC236}">
-                <a16:creationId xmlns:a16="http://schemas.microsoft.com/office/drawing/2014/main" id="{1C0111D1-2CE9-45DE-AE1E-54F54EC9EA97}"/>
+                <a16:creationId xmlns="" xmlns:a16="http://schemas.microsoft.com/office/drawing/2014/main" id="{1C0111D1-2CE9-45DE-AE1E-54F54EC9EA97}"/>
               </a:ext>
             </a:extLst>
           </p:cNvPr>
@@ -1144,7 +1144,7 @@
           <p:cNvPr id="6" name="灯片编号占位符 5">
             <a:extLst>
               <a:ext uri="{FF2B5EF4-FFF2-40B4-BE49-F238E27FC236}">
-                <a16:creationId xmlns:a16="http://schemas.microsoft.com/office/drawing/2014/main" id="{F389C80B-948F-4615-81B3-DD8894C1BB0E}"/>
+                <a16:creationId xmlns="" xmlns:a16="http://schemas.microsoft.com/office/drawing/2014/main" id="{F389C80B-948F-4615-81B3-DD8894C1BB0E}"/>
               </a:ext>
             </a:extLst>
           </p:cNvPr>
@@ -1203,7 +1203,7 @@
           <p:cNvPr id="2" name="标题 1">
             <a:extLst>
               <a:ext uri="{FF2B5EF4-FFF2-40B4-BE49-F238E27FC236}">
-                <a16:creationId xmlns:a16="http://schemas.microsoft.com/office/drawing/2014/main" id="{44ED04CA-BC2C-428F-BBE3-9748DDE7B9FE}"/>
+                <a16:creationId xmlns="" xmlns:a16="http://schemas.microsoft.com/office/drawing/2014/main" id="{44ED04CA-BC2C-428F-BBE3-9748DDE7B9FE}"/>
               </a:ext>
             </a:extLst>
           </p:cNvPr>
@@ -1231,7 +1231,7 @@
           <p:cNvPr id="3" name="内容占位符 2">
             <a:extLst>
               <a:ext uri="{FF2B5EF4-FFF2-40B4-BE49-F238E27FC236}">
-                <a16:creationId xmlns:a16="http://schemas.microsoft.com/office/drawing/2014/main" id="{8E65D1AB-1258-4060-9D6F-4CF65956298C}"/>
+                <a16:creationId xmlns="" xmlns:a16="http://schemas.microsoft.com/office/drawing/2014/main" id="{8E65D1AB-1258-4060-9D6F-4CF65956298C}"/>
               </a:ext>
             </a:extLst>
           </p:cNvPr>
@@ -1288,7 +1288,7 @@
           <p:cNvPr id="4" name="日期占位符 3">
             <a:extLst>
               <a:ext uri="{FF2B5EF4-FFF2-40B4-BE49-F238E27FC236}">
-                <a16:creationId xmlns:a16="http://schemas.microsoft.com/office/drawing/2014/main" id="{A6CFBEB0-E9CD-43F1-BB1A-8A0D831A8B88}"/>
+                <a16:creationId xmlns="" xmlns:a16="http://schemas.microsoft.com/office/drawing/2014/main" id="{A6CFBEB0-E9CD-43F1-BB1A-8A0D831A8B88}"/>
               </a:ext>
             </a:extLst>
           </p:cNvPr>
@@ -1306,7 +1306,7 @@
           <a:p>
             <a:fld id="{48C41E0C-7723-44D2-BE46-607D21252467}" type="datetimeFigureOut">
               <a:rPr lang="zh-CN" altLang="en-US" smtClean="0"/>
-              <a:t>2025/1/7</a:t>
+              <a:t>2025/1/24</a:t>
             </a:fld>
             <a:endParaRPr lang="zh-CN" altLang="en-US"/>
           </a:p>
@@ -1317,7 +1317,7 @@
           <p:cNvPr id="5" name="页脚占位符 4">
             <a:extLst>
               <a:ext uri="{FF2B5EF4-FFF2-40B4-BE49-F238E27FC236}">
-                <a16:creationId xmlns:a16="http://schemas.microsoft.com/office/drawing/2014/main" id="{50650D40-578C-4289-9CF9-62E2D4EE2007}"/>
+                <a16:creationId xmlns="" xmlns:a16="http://schemas.microsoft.com/office/drawing/2014/main" id="{50650D40-578C-4289-9CF9-62E2D4EE2007}"/>
               </a:ext>
             </a:extLst>
           </p:cNvPr>
@@ -1342,7 +1342,7 @@
           <p:cNvPr id="6" name="灯片编号占位符 5">
             <a:extLst>
               <a:ext uri="{FF2B5EF4-FFF2-40B4-BE49-F238E27FC236}">
-                <a16:creationId xmlns:a16="http://schemas.microsoft.com/office/drawing/2014/main" id="{7FD7C8D7-3369-4924-9335-AFA797D08B68}"/>
+                <a16:creationId xmlns="" xmlns:a16="http://schemas.microsoft.com/office/drawing/2014/main" id="{7FD7C8D7-3369-4924-9335-AFA797D08B68}"/>
               </a:ext>
             </a:extLst>
           </p:cNvPr>
@@ -1401,7 +1401,7 @@
           <p:cNvPr id="2" name="标题 1">
             <a:extLst>
               <a:ext uri="{FF2B5EF4-FFF2-40B4-BE49-F238E27FC236}">
-                <a16:creationId xmlns:a16="http://schemas.microsoft.com/office/drawing/2014/main" id="{4197681C-D81C-4E29-8164-77C07D8CF9F9}"/>
+                <a16:creationId xmlns="" xmlns:a16="http://schemas.microsoft.com/office/drawing/2014/main" id="{4197681C-D81C-4E29-8164-77C07D8CF9F9}"/>
               </a:ext>
             </a:extLst>
           </p:cNvPr>
@@ -1438,7 +1438,7 @@
           <p:cNvPr id="3" name="文本占位符 2">
             <a:extLst>
               <a:ext uri="{FF2B5EF4-FFF2-40B4-BE49-F238E27FC236}">
-                <a16:creationId xmlns:a16="http://schemas.microsoft.com/office/drawing/2014/main" id="{8420D731-80C9-4E95-9CD4-9F478B35CABD}"/>
+                <a16:creationId xmlns="" xmlns:a16="http://schemas.microsoft.com/office/drawing/2014/main" id="{8420D731-80C9-4E95-9CD4-9F478B35CABD}"/>
               </a:ext>
             </a:extLst>
           </p:cNvPr>
@@ -1563,7 +1563,7 @@
           <p:cNvPr id="4" name="日期占位符 3">
             <a:extLst>
               <a:ext uri="{FF2B5EF4-FFF2-40B4-BE49-F238E27FC236}">
-                <a16:creationId xmlns:a16="http://schemas.microsoft.com/office/drawing/2014/main" id="{15D35EF4-50F8-432C-9DD6-50B3AA8921E7}"/>
+                <a16:creationId xmlns="" xmlns:a16="http://schemas.microsoft.com/office/drawing/2014/main" id="{15D35EF4-50F8-432C-9DD6-50B3AA8921E7}"/>
               </a:ext>
             </a:extLst>
           </p:cNvPr>
@@ -1581,7 +1581,7 @@
           <a:p>
             <a:fld id="{48C41E0C-7723-44D2-BE46-607D21252467}" type="datetimeFigureOut">
               <a:rPr lang="zh-CN" altLang="en-US" smtClean="0"/>
-              <a:t>2025/1/7</a:t>
+              <a:t>2025/1/24</a:t>
             </a:fld>
             <a:endParaRPr lang="zh-CN" altLang="en-US"/>
           </a:p>
@@ -1592,7 +1592,7 @@
           <p:cNvPr id="5" name="页脚占位符 4">
             <a:extLst>
               <a:ext uri="{FF2B5EF4-FFF2-40B4-BE49-F238E27FC236}">
-                <a16:creationId xmlns:a16="http://schemas.microsoft.com/office/drawing/2014/main" id="{3F2A72AA-AFE3-4E6E-A7E7-62B817B8D7B8}"/>
+                <a16:creationId xmlns="" xmlns:a16="http://schemas.microsoft.com/office/drawing/2014/main" id="{3F2A72AA-AFE3-4E6E-A7E7-62B817B8D7B8}"/>
               </a:ext>
             </a:extLst>
           </p:cNvPr>
@@ -1617,7 +1617,7 @@
           <p:cNvPr id="6" name="灯片编号占位符 5">
             <a:extLst>
               <a:ext uri="{FF2B5EF4-FFF2-40B4-BE49-F238E27FC236}">
-                <a16:creationId xmlns:a16="http://schemas.microsoft.com/office/drawing/2014/main" id="{B41341E5-9D7C-493B-9D3D-C478390A5565}"/>
+                <a16:creationId xmlns="" xmlns:a16="http://schemas.microsoft.com/office/drawing/2014/main" id="{B41341E5-9D7C-493B-9D3D-C478390A5565}"/>
               </a:ext>
             </a:extLst>
           </p:cNvPr>
@@ -1676,7 +1676,7 @@
           <p:cNvPr id="2" name="标题 1">
             <a:extLst>
               <a:ext uri="{FF2B5EF4-FFF2-40B4-BE49-F238E27FC236}">
-                <a16:creationId xmlns:a16="http://schemas.microsoft.com/office/drawing/2014/main" id="{8E6BC7D5-2E05-4398-BE3E-962440FD978F}"/>
+                <a16:creationId xmlns="" xmlns:a16="http://schemas.microsoft.com/office/drawing/2014/main" id="{8E6BC7D5-2E05-4398-BE3E-962440FD978F}"/>
               </a:ext>
             </a:extLst>
           </p:cNvPr>
@@ -1704,7 +1704,7 @@
           <p:cNvPr id="3" name="内容占位符 2">
             <a:extLst>
               <a:ext uri="{FF2B5EF4-FFF2-40B4-BE49-F238E27FC236}">
-                <a16:creationId xmlns:a16="http://schemas.microsoft.com/office/drawing/2014/main" id="{9522F582-B835-42A4-BFA4-401235A41D2A}"/>
+                <a16:creationId xmlns="" xmlns:a16="http://schemas.microsoft.com/office/drawing/2014/main" id="{9522F582-B835-42A4-BFA4-401235A41D2A}"/>
               </a:ext>
             </a:extLst>
           </p:cNvPr>
@@ -1766,7 +1766,7 @@
           <p:cNvPr id="4" name="内容占位符 3">
             <a:extLst>
               <a:ext uri="{FF2B5EF4-FFF2-40B4-BE49-F238E27FC236}">
-                <a16:creationId xmlns:a16="http://schemas.microsoft.com/office/drawing/2014/main" id="{8B3E8720-01DB-424C-ACA7-DD70D5C7FA18}"/>
+                <a16:creationId xmlns="" xmlns:a16="http://schemas.microsoft.com/office/drawing/2014/main" id="{8B3E8720-01DB-424C-ACA7-DD70D5C7FA18}"/>
               </a:ext>
             </a:extLst>
           </p:cNvPr>
@@ -1828,7 +1828,7 @@
           <p:cNvPr id="5" name="日期占位符 4">
             <a:extLst>
               <a:ext uri="{FF2B5EF4-FFF2-40B4-BE49-F238E27FC236}">
-                <a16:creationId xmlns:a16="http://schemas.microsoft.com/office/drawing/2014/main" id="{4CB6340F-830F-4652-B178-A9F2CF286045}"/>
+                <a16:creationId xmlns="" xmlns:a16="http://schemas.microsoft.com/office/drawing/2014/main" id="{4CB6340F-830F-4652-B178-A9F2CF286045}"/>
               </a:ext>
             </a:extLst>
           </p:cNvPr>
@@ -1846,7 +1846,7 @@
           <a:p>
             <a:fld id="{48C41E0C-7723-44D2-BE46-607D21252467}" type="datetimeFigureOut">
               <a:rPr lang="zh-CN" altLang="en-US" smtClean="0"/>
-              <a:t>2025/1/7</a:t>
+              <a:t>2025/1/24</a:t>
             </a:fld>
             <a:endParaRPr lang="zh-CN" altLang="en-US"/>
           </a:p>
@@ -1857,7 +1857,7 @@
           <p:cNvPr id="6" name="页脚占位符 5">
             <a:extLst>
               <a:ext uri="{FF2B5EF4-FFF2-40B4-BE49-F238E27FC236}">
-                <a16:creationId xmlns:a16="http://schemas.microsoft.com/office/drawing/2014/main" id="{73B172E0-47EB-47C1-B826-9D402618ADBE}"/>
+                <a16:creationId xmlns="" xmlns:a16="http://schemas.microsoft.com/office/drawing/2014/main" id="{73B172E0-47EB-47C1-B826-9D402618ADBE}"/>
               </a:ext>
             </a:extLst>
           </p:cNvPr>
@@ -1882,7 +1882,7 @@
           <p:cNvPr id="7" name="灯片编号占位符 6">
             <a:extLst>
               <a:ext uri="{FF2B5EF4-FFF2-40B4-BE49-F238E27FC236}">
-                <a16:creationId xmlns:a16="http://schemas.microsoft.com/office/drawing/2014/main" id="{BE94E679-CC95-4CBD-A90A-88667F2E7F7C}"/>
+                <a16:creationId xmlns="" xmlns:a16="http://schemas.microsoft.com/office/drawing/2014/main" id="{BE94E679-CC95-4CBD-A90A-88667F2E7F7C}"/>
               </a:ext>
             </a:extLst>
           </p:cNvPr>
@@ -1941,7 +1941,7 @@
           <p:cNvPr id="2" name="标题 1">
             <a:extLst>
               <a:ext uri="{FF2B5EF4-FFF2-40B4-BE49-F238E27FC236}">
-                <a16:creationId xmlns:a16="http://schemas.microsoft.com/office/drawing/2014/main" id="{A838F3A6-04EC-4C95-977F-C5015AD46AC0}"/>
+                <a16:creationId xmlns="" xmlns:a16="http://schemas.microsoft.com/office/drawing/2014/main" id="{A838F3A6-04EC-4C95-977F-C5015AD46AC0}"/>
               </a:ext>
             </a:extLst>
           </p:cNvPr>
@@ -1974,7 +1974,7 @@
           <p:cNvPr id="3" name="文本占位符 2">
             <a:extLst>
               <a:ext uri="{FF2B5EF4-FFF2-40B4-BE49-F238E27FC236}">
-                <a16:creationId xmlns:a16="http://schemas.microsoft.com/office/drawing/2014/main" id="{397EE4D9-965B-4E75-BE94-F873AE8C609F}"/>
+                <a16:creationId xmlns="" xmlns:a16="http://schemas.microsoft.com/office/drawing/2014/main" id="{397EE4D9-965B-4E75-BE94-F873AE8C609F}"/>
               </a:ext>
             </a:extLst>
           </p:cNvPr>
@@ -2045,7 +2045,7 @@
           <p:cNvPr id="4" name="内容占位符 3">
             <a:extLst>
               <a:ext uri="{FF2B5EF4-FFF2-40B4-BE49-F238E27FC236}">
-                <a16:creationId xmlns:a16="http://schemas.microsoft.com/office/drawing/2014/main" id="{A0074CB6-54C9-4974-813D-8E5F0B0DE8A2}"/>
+                <a16:creationId xmlns="" xmlns:a16="http://schemas.microsoft.com/office/drawing/2014/main" id="{A0074CB6-54C9-4974-813D-8E5F0B0DE8A2}"/>
               </a:ext>
             </a:extLst>
           </p:cNvPr>
@@ -2107,7 +2107,7 @@
           <p:cNvPr id="5" name="文本占位符 4">
             <a:extLst>
               <a:ext uri="{FF2B5EF4-FFF2-40B4-BE49-F238E27FC236}">
-                <a16:creationId xmlns:a16="http://schemas.microsoft.com/office/drawing/2014/main" id="{91090ADF-5A97-4B0B-A0B7-A6AEDF7ED20A}"/>
+                <a16:creationId xmlns="" xmlns:a16="http://schemas.microsoft.com/office/drawing/2014/main" id="{91090ADF-5A97-4B0B-A0B7-A6AEDF7ED20A}"/>
               </a:ext>
             </a:extLst>
           </p:cNvPr>
@@ -2178,7 +2178,7 @@
           <p:cNvPr id="6" name="内容占位符 5">
             <a:extLst>
               <a:ext uri="{FF2B5EF4-FFF2-40B4-BE49-F238E27FC236}">
-                <a16:creationId xmlns:a16="http://schemas.microsoft.com/office/drawing/2014/main" id="{3388EDCC-8B5B-4BC9-B989-B0F7E347775B}"/>
+                <a16:creationId xmlns="" xmlns:a16="http://schemas.microsoft.com/office/drawing/2014/main" id="{3388EDCC-8B5B-4BC9-B989-B0F7E347775B}"/>
               </a:ext>
             </a:extLst>
           </p:cNvPr>
@@ -2240,7 +2240,7 @@
           <p:cNvPr id="7" name="日期占位符 6">
             <a:extLst>
               <a:ext uri="{FF2B5EF4-FFF2-40B4-BE49-F238E27FC236}">
-                <a16:creationId xmlns:a16="http://schemas.microsoft.com/office/drawing/2014/main" id="{F5D59031-3BE4-4848-9B0D-59A63BA9C462}"/>
+                <a16:creationId xmlns="" xmlns:a16="http://schemas.microsoft.com/office/drawing/2014/main" id="{F5D59031-3BE4-4848-9B0D-59A63BA9C462}"/>
               </a:ext>
             </a:extLst>
           </p:cNvPr>
@@ -2258,7 +2258,7 @@
           <a:p>
             <a:fld id="{48C41E0C-7723-44D2-BE46-607D21252467}" type="datetimeFigureOut">
               <a:rPr lang="zh-CN" altLang="en-US" smtClean="0"/>
-              <a:t>2025/1/7</a:t>
+              <a:t>2025/1/24</a:t>
             </a:fld>
             <a:endParaRPr lang="zh-CN" altLang="en-US"/>
           </a:p>
@@ -2269,7 +2269,7 @@
           <p:cNvPr id="8" name="页脚占位符 7">
             <a:extLst>
               <a:ext uri="{FF2B5EF4-FFF2-40B4-BE49-F238E27FC236}">
-                <a16:creationId xmlns:a16="http://schemas.microsoft.com/office/drawing/2014/main" id="{CAD138E1-8F6B-4082-9F06-0B91E4101F40}"/>
+                <a16:creationId xmlns="" xmlns:a16="http://schemas.microsoft.com/office/drawing/2014/main" id="{CAD138E1-8F6B-4082-9F06-0B91E4101F40}"/>
               </a:ext>
             </a:extLst>
           </p:cNvPr>
@@ -2294,7 +2294,7 @@
           <p:cNvPr id="9" name="灯片编号占位符 8">
             <a:extLst>
               <a:ext uri="{FF2B5EF4-FFF2-40B4-BE49-F238E27FC236}">
-                <a16:creationId xmlns:a16="http://schemas.microsoft.com/office/drawing/2014/main" id="{867EDE34-639D-4207-A114-1C2DAEF02004}"/>
+                <a16:creationId xmlns="" xmlns:a16="http://schemas.microsoft.com/office/drawing/2014/main" id="{867EDE34-639D-4207-A114-1C2DAEF02004}"/>
               </a:ext>
             </a:extLst>
           </p:cNvPr>
@@ -2353,7 +2353,7 @@
           <p:cNvPr id="2" name="标题 1">
             <a:extLst>
               <a:ext uri="{FF2B5EF4-FFF2-40B4-BE49-F238E27FC236}">
-                <a16:creationId xmlns:a16="http://schemas.microsoft.com/office/drawing/2014/main" id="{574E46B7-3949-47E0-A916-AC24FAFF3071}"/>
+                <a16:creationId xmlns="" xmlns:a16="http://schemas.microsoft.com/office/drawing/2014/main" id="{574E46B7-3949-47E0-A916-AC24FAFF3071}"/>
               </a:ext>
             </a:extLst>
           </p:cNvPr>
@@ -2381,7 +2381,7 @@
           <p:cNvPr id="3" name="日期占位符 2">
             <a:extLst>
               <a:ext uri="{FF2B5EF4-FFF2-40B4-BE49-F238E27FC236}">
-                <a16:creationId xmlns:a16="http://schemas.microsoft.com/office/drawing/2014/main" id="{606E3CF3-702E-4F81-A28C-C328BDBE7ED8}"/>
+                <a16:creationId xmlns="" xmlns:a16="http://schemas.microsoft.com/office/drawing/2014/main" id="{606E3CF3-702E-4F81-A28C-C328BDBE7ED8}"/>
               </a:ext>
             </a:extLst>
           </p:cNvPr>
@@ -2399,7 +2399,7 @@
           <a:p>
             <a:fld id="{48C41E0C-7723-44D2-BE46-607D21252467}" type="datetimeFigureOut">
               <a:rPr lang="zh-CN" altLang="en-US" smtClean="0"/>
-              <a:t>2025/1/7</a:t>
+              <a:t>2025/1/24</a:t>
             </a:fld>
             <a:endParaRPr lang="zh-CN" altLang="en-US"/>
           </a:p>
@@ -2410,7 +2410,7 @@
           <p:cNvPr id="4" name="页脚占位符 3">
             <a:extLst>
               <a:ext uri="{FF2B5EF4-FFF2-40B4-BE49-F238E27FC236}">
-                <a16:creationId xmlns:a16="http://schemas.microsoft.com/office/drawing/2014/main" id="{BF396947-9CDC-47DD-B4EA-D9579282BECB}"/>
+                <a16:creationId xmlns="" xmlns:a16="http://schemas.microsoft.com/office/drawing/2014/main" id="{BF396947-9CDC-47DD-B4EA-D9579282BECB}"/>
               </a:ext>
             </a:extLst>
           </p:cNvPr>
@@ -2435,7 +2435,7 @@
           <p:cNvPr id="5" name="灯片编号占位符 4">
             <a:extLst>
               <a:ext uri="{FF2B5EF4-FFF2-40B4-BE49-F238E27FC236}">
-                <a16:creationId xmlns:a16="http://schemas.microsoft.com/office/drawing/2014/main" id="{D9BE2377-DA1B-4485-B3A7-9557B07B71EA}"/>
+                <a16:creationId xmlns="" xmlns:a16="http://schemas.microsoft.com/office/drawing/2014/main" id="{D9BE2377-DA1B-4485-B3A7-9557B07B71EA}"/>
               </a:ext>
             </a:extLst>
           </p:cNvPr>
@@ -2494,7 +2494,7 @@
           <p:cNvPr id="2" name="日期占位符 1">
             <a:extLst>
               <a:ext uri="{FF2B5EF4-FFF2-40B4-BE49-F238E27FC236}">
-                <a16:creationId xmlns:a16="http://schemas.microsoft.com/office/drawing/2014/main" id="{C31587CA-6349-4A1F-A144-D2B78393C2CB}"/>
+                <a16:creationId xmlns="" xmlns:a16="http://schemas.microsoft.com/office/drawing/2014/main" id="{C31587CA-6349-4A1F-A144-D2B78393C2CB}"/>
               </a:ext>
             </a:extLst>
           </p:cNvPr>
@@ -2512,7 +2512,7 @@
           <a:p>
             <a:fld id="{48C41E0C-7723-44D2-BE46-607D21252467}" type="datetimeFigureOut">
               <a:rPr lang="zh-CN" altLang="en-US" smtClean="0"/>
-              <a:t>2025/1/7</a:t>
+              <a:t>2025/1/24</a:t>
             </a:fld>
             <a:endParaRPr lang="zh-CN" altLang="en-US"/>
           </a:p>
@@ -2523,7 +2523,7 @@
           <p:cNvPr id="3" name="页脚占位符 2">
             <a:extLst>
               <a:ext uri="{FF2B5EF4-FFF2-40B4-BE49-F238E27FC236}">
-                <a16:creationId xmlns:a16="http://schemas.microsoft.com/office/drawing/2014/main" id="{4B3ECE7A-E39C-42DC-B14E-1EFC6F4CF919}"/>
+                <a16:creationId xmlns="" xmlns:a16="http://schemas.microsoft.com/office/drawing/2014/main" id="{4B3ECE7A-E39C-42DC-B14E-1EFC6F4CF919}"/>
               </a:ext>
             </a:extLst>
           </p:cNvPr>
@@ -2548,7 +2548,7 @@
           <p:cNvPr id="4" name="灯片编号占位符 3">
             <a:extLst>
               <a:ext uri="{FF2B5EF4-FFF2-40B4-BE49-F238E27FC236}">
-                <a16:creationId xmlns:a16="http://schemas.microsoft.com/office/drawing/2014/main" id="{99532348-9B44-405C-9855-A1A59E7B2028}"/>
+                <a16:creationId xmlns="" xmlns:a16="http://schemas.microsoft.com/office/drawing/2014/main" id="{99532348-9B44-405C-9855-A1A59E7B2028}"/>
               </a:ext>
             </a:extLst>
           </p:cNvPr>
@@ -2607,7 +2607,7 @@
           <p:cNvPr id="2" name="标题 1">
             <a:extLst>
               <a:ext uri="{FF2B5EF4-FFF2-40B4-BE49-F238E27FC236}">
-                <a16:creationId xmlns:a16="http://schemas.microsoft.com/office/drawing/2014/main" id="{2AC6322F-719A-4899-A7C2-C3D71181F992}"/>
+                <a16:creationId xmlns="" xmlns:a16="http://schemas.microsoft.com/office/drawing/2014/main" id="{2AC6322F-719A-4899-A7C2-C3D71181F992}"/>
               </a:ext>
             </a:extLst>
           </p:cNvPr>
@@ -2644,7 +2644,7 @@
           <p:cNvPr id="3" name="内容占位符 2">
             <a:extLst>
               <a:ext uri="{FF2B5EF4-FFF2-40B4-BE49-F238E27FC236}">
-                <a16:creationId xmlns:a16="http://schemas.microsoft.com/office/drawing/2014/main" id="{3330C310-A882-473C-83B6-76BA0A4AF95A}"/>
+                <a16:creationId xmlns="" xmlns:a16="http://schemas.microsoft.com/office/drawing/2014/main" id="{3330C310-A882-473C-83B6-76BA0A4AF95A}"/>
               </a:ext>
             </a:extLst>
           </p:cNvPr>
@@ -2734,7 +2734,7 @@
           <p:cNvPr id="4" name="文本占位符 3">
             <a:extLst>
               <a:ext uri="{FF2B5EF4-FFF2-40B4-BE49-F238E27FC236}">
-                <a16:creationId xmlns:a16="http://schemas.microsoft.com/office/drawing/2014/main" id="{BC67BC29-BAE8-4033-B1A8-3F8D631B6C54}"/>
+                <a16:creationId xmlns="" xmlns:a16="http://schemas.microsoft.com/office/drawing/2014/main" id="{BC67BC29-BAE8-4033-B1A8-3F8D631B6C54}"/>
               </a:ext>
             </a:extLst>
           </p:cNvPr>
@@ -2805,7 +2805,7 @@
           <p:cNvPr id="5" name="日期占位符 4">
             <a:extLst>
               <a:ext uri="{FF2B5EF4-FFF2-40B4-BE49-F238E27FC236}">
-                <a16:creationId xmlns:a16="http://schemas.microsoft.com/office/drawing/2014/main" id="{2C47BE26-3C1F-4944-BB7B-50BFA58A64F1}"/>
+                <a16:creationId xmlns="" xmlns:a16="http://schemas.microsoft.com/office/drawing/2014/main" id="{2C47BE26-3C1F-4944-BB7B-50BFA58A64F1}"/>
               </a:ext>
             </a:extLst>
           </p:cNvPr>
@@ -2823,7 +2823,7 @@
           <a:p>
             <a:fld id="{48C41E0C-7723-44D2-BE46-607D21252467}" type="datetimeFigureOut">
               <a:rPr lang="zh-CN" altLang="en-US" smtClean="0"/>
-              <a:t>2025/1/7</a:t>
+              <a:t>2025/1/24</a:t>
             </a:fld>
             <a:endParaRPr lang="zh-CN" altLang="en-US"/>
           </a:p>
@@ -2834,7 +2834,7 @@
           <p:cNvPr id="6" name="页脚占位符 5">
             <a:extLst>
               <a:ext uri="{FF2B5EF4-FFF2-40B4-BE49-F238E27FC236}">
-                <a16:creationId xmlns:a16="http://schemas.microsoft.com/office/drawing/2014/main" id="{B4B72BA8-618D-457B-8B55-C5A33564C5CB}"/>
+                <a16:creationId xmlns="" xmlns:a16="http://schemas.microsoft.com/office/drawing/2014/main" id="{B4B72BA8-618D-457B-8B55-C5A33564C5CB}"/>
               </a:ext>
             </a:extLst>
           </p:cNvPr>
@@ -2859,7 +2859,7 @@
           <p:cNvPr id="7" name="灯片编号占位符 6">
             <a:extLst>
               <a:ext uri="{FF2B5EF4-FFF2-40B4-BE49-F238E27FC236}">
-                <a16:creationId xmlns:a16="http://schemas.microsoft.com/office/drawing/2014/main" id="{6FB25880-B5B1-44AD-B8F0-FA6AE664B7B8}"/>
+                <a16:creationId xmlns="" xmlns:a16="http://schemas.microsoft.com/office/drawing/2014/main" id="{6FB25880-B5B1-44AD-B8F0-FA6AE664B7B8}"/>
               </a:ext>
             </a:extLst>
           </p:cNvPr>
@@ -2918,7 +2918,7 @@
           <p:cNvPr id="2" name="标题 1">
             <a:extLst>
               <a:ext uri="{FF2B5EF4-FFF2-40B4-BE49-F238E27FC236}">
-                <a16:creationId xmlns:a16="http://schemas.microsoft.com/office/drawing/2014/main" id="{822A7B4A-418A-4B2A-84B9-013151F088E5}"/>
+                <a16:creationId xmlns="" xmlns:a16="http://schemas.microsoft.com/office/drawing/2014/main" id="{822A7B4A-418A-4B2A-84B9-013151F088E5}"/>
               </a:ext>
             </a:extLst>
           </p:cNvPr>
@@ -2955,7 +2955,7 @@
           <p:cNvPr id="3" name="图片占位符 2">
             <a:extLst>
               <a:ext uri="{FF2B5EF4-FFF2-40B4-BE49-F238E27FC236}">
-                <a16:creationId xmlns:a16="http://schemas.microsoft.com/office/drawing/2014/main" id="{7AE858C5-EF64-45F7-A924-E0579F0C2C96}"/>
+                <a16:creationId xmlns="" xmlns:a16="http://schemas.microsoft.com/office/drawing/2014/main" id="{7AE858C5-EF64-45F7-A924-E0579F0C2C96}"/>
               </a:ext>
             </a:extLst>
           </p:cNvPr>
@@ -3022,7 +3022,7 @@
           <p:cNvPr id="4" name="文本占位符 3">
             <a:extLst>
               <a:ext uri="{FF2B5EF4-FFF2-40B4-BE49-F238E27FC236}">
-                <a16:creationId xmlns:a16="http://schemas.microsoft.com/office/drawing/2014/main" id="{8F8A1ECF-6ABB-445E-85B6-AD535F76BD57}"/>
+                <a16:creationId xmlns="" xmlns:a16="http://schemas.microsoft.com/office/drawing/2014/main" id="{8F8A1ECF-6ABB-445E-85B6-AD535F76BD57}"/>
               </a:ext>
             </a:extLst>
           </p:cNvPr>
@@ -3093,7 +3093,7 @@
           <p:cNvPr id="5" name="日期占位符 4">
             <a:extLst>
               <a:ext uri="{FF2B5EF4-FFF2-40B4-BE49-F238E27FC236}">
-                <a16:creationId xmlns:a16="http://schemas.microsoft.com/office/drawing/2014/main" id="{831D68E2-16C6-4972-A9BC-59F59177C4EF}"/>
+                <a16:creationId xmlns="" xmlns:a16="http://schemas.microsoft.com/office/drawing/2014/main" id="{831D68E2-16C6-4972-A9BC-59F59177C4EF}"/>
               </a:ext>
             </a:extLst>
           </p:cNvPr>
@@ -3111,7 +3111,7 @@
           <a:p>
             <a:fld id="{48C41E0C-7723-44D2-BE46-607D21252467}" type="datetimeFigureOut">
               <a:rPr lang="zh-CN" altLang="en-US" smtClean="0"/>
-              <a:t>2025/1/7</a:t>
+              <a:t>2025/1/24</a:t>
             </a:fld>
             <a:endParaRPr lang="zh-CN" altLang="en-US"/>
           </a:p>
@@ -3122,7 +3122,7 @@
           <p:cNvPr id="6" name="页脚占位符 5">
             <a:extLst>
               <a:ext uri="{FF2B5EF4-FFF2-40B4-BE49-F238E27FC236}">
-                <a16:creationId xmlns:a16="http://schemas.microsoft.com/office/drawing/2014/main" id="{92574183-5D54-4F4B-8BAF-7712A88D51BE}"/>
+                <a16:creationId xmlns="" xmlns:a16="http://schemas.microsoft.com/office/drawing/2014/main" id="{92574183-5D54-4F4B-8BAF-7712A88D51BE}"/>
               </a:ext>
             </a:extLst>
           </p:cNvPr>
@@ -3147,7 +3147,7 @@
           <p:cNvPr id="7" name="灯片编号占位符 6">
             <a:extLst>
               <a:ext uri="{FF2B5EF4-FFF2-40B4-BE49-F238E27FC236}">
-                <a16:creationId xmlns:a16="http://schemas.microsoft.com/office/drawing/2014/main" id="{FF23B2E8-3C6F-4D48-ACD9-9995CDBA9392}"/>
+                <a16:creationId xmlns="" xmlns:a16="http://schemas.microsoft.com/office/drawing/2014/main" id="{FF23B2E8-3C6F-4D48-ACD9-9995CDBA9392}"/>
               </a:ext>
             </a:extLst>
           </p:cNvPr>
@@ -3211,7 +3211,7 @@
           <p:cNvPr id="2" name="标题占位符 1">
             <a:extLst>
               <a:ext uri="{FF2B5EF4-FFF2-40B4-BE49-F238E27FC236}">
-                <a16:creationId xmlns:a16="http://schemas.microsoft.com/office/drawing/2014/main" id="{A5239670-F071-436F-A0D1-A73386DB7DB2}"/>
+                <a16:creationId xmlns="" xmlns:a16="http://schemas.microsoft.com/office/drawing/2014/main" id="{A5239670-F071-436F-A0D1-A73386DB7DB2}"/>
               </a:ext>
             </a:extLst>
           </p:cNvPr>
@@ -3249,7 +3249,7 @@
           <p:cNvPr id="3" name="文本占位符 2">
             <a:extLst>
               <a:ext uri="{FF2B5EF4-FFF2-40B4-BE49-F238E27FC236}">
-                <a16:creationId xmlns:a16="http://schemas.microsoft.com/office/drawing/2014/main" id="{4BBB234B-8BF7-45D3-94EB-0C3C730E4AA4}"/>
+                <a16:creationId xmlns="" xmlns:a16="http://schemas.microsoft.com/office/drawing/2014/main" id="{4BBB234B-8BF7-45D3-94EB-0C3C730E4AA4}"/>
               </a:ext>
             </a:extLst>
           </p:cNvPr>
@@ -3316,7 +3316,7 @@
           <p:cNvPr id="4" name="日期占位符 3">
             <a:extLst>
               <a:ext uri="{FF2B5EF4-FFF2-40B4-BE49-F238E27FC236}">
-                <a16:creationId xmlns:a16="http://schemas.microsoft.com/office/drawing/2014/main" id="{5B4691D3-91F4-4B7B-B9FC-7CFEB8CE863C}"/>
+                <a16:creationId xmlns="" xmlns:a16="http://schemas.microsoft.com/office/drawing/2014/main" id="{5B4691D3-91F4-4B7B-B9FC-7CFEB8CE863C}"/>
               </a:ext>
             </a:extLst>
           </p:cNvPr>
@@ -3352,7 +3352,7 @@
           <a:p>
             <a:fld id="{48C41E0C-7723-44D2-BE46-607D21252467}" type="datetimeFigureOut">
               <a:rPr lang="zh-CN" altLang="en-US" smtClean="0"/>
-              <a:t>2025/1/7</a:t>
+              <a:t>2025/1/24</a:t>
             </a:fld>
             <a:endParaRPr lang="zh-CN" altLang="en-US"/>
           </a:p>
@@ -3363,7 +3363,7 @@
           <p:cNvPr id="5" name="页脚占位符 4">
             <a:extLst>
               <a:ext uri="{FF2B5EF4-FFF2-40B4-BE49-F238E27FC236}">
-                <a16:creationId xmlns:a16="http://schemas.microsoft.com/office/drawing/2014/main" id="{711AA2DC-35B7-49B7-AC05-D8DA461C0A76}"/>
+                <a16:creationId xmlns="" xmlns:a16="http://schemas.microsoft.com/office/drawing/2014/main" id="{711AA2DC-35B7-49B7-AC05-D8DA461C0A76}"/>
               </a:ext>
             </a:extLst>
           </p:cNvPr>
@@ -3406,7 +3406,7 @@
           <p:cNvPr id="6" name="灯片编号占位符 5">
             <a:extLst>
               <a:ext uri="{FF2B5EF4-FFF2-40B4-BE49-F238E27FC236}">
-                <a16:creationId xmlns:a16="http://schemas.microsoft.com/office/drawing/2014/main" id="{C773CE31-AEDA-4F64-A082-12EC0D5EF1A0}"/>
+                <a16:creationId xmlns="" xmlns:a16="http://schemas.microsoft.com/office/drawing/2014/main" id="{C773CE31-AEDA-4F64-A082-12EC0D5EF1A0}"/>
               </a:ext>
             </a:extLst>
           </p:cNvPr>
@@ -4344,7 +4344,7 @@
           <p:cNvPr id="2" name="AutoShape 18">
             <a:extLst>
               <a:ext uri="{FF2B5EF4-FFF2-40B4-BE49-F238E27FC236}">
-                <a16:creationId xmlns:a16="http://schemas.microsoft.com/office/drawing/2014/main" id="{6F758626-0A08-4020-BD18-C5E4B2FBBED7}"/>
+                <a16:creationId xmlns="" xmlns:a16="http://schemas.microsoft.com/office/drawing/2014/main" id="{6F758626-0A08-4020-BD18-C5E4B2FBBED7}"/>
               </a:ext>
             </a:extLst>
           </p:cNvPr>
@@ -4381,7 +4381,7 @@
           <p:cNvPr id="3" name="TextBox 34">
             <a:extLst>
               <a:ext uri="{FF2B5EF4-FFF2-40B4-BE49-F238E27FC236}">
-                <a16:creationId xmlns:a16="http://schemas.microsoft.com/office/drawing/2014/main" id="{0477C9DB-EBED-43BB-9B0C-EA406307B504}"/>
+                <a16:creationId xmlns="" xmlns:a16="http://schemas.microsoft.com/office/drawing/2014/main" id="{0477C9DB-EBED-43BB-9B0C-EA406307B504}"/>
               </a:ext>
             </a:extLst>
           </p:cNvPr>
@@ -4439,7 +4439,7 @@
           <p:cNvPr id="4" name="文本框 3">
             <a:extLst>
               <a:ext uri="{FF2B5EF4-FFF2-40B4-BE49-F238E27FC236}">
-                <a16:creationId xmlns:a16="http://schemas.microsoft.com/office/drawing/2014/main" id="{0D1F4462-1EF2-46F1-BD8E-31763D4D9200}"/>
+                <a16:creationId xmlns="" xmlns:a16="http://schemas.microsoft.com/office/drawing/2014/main" id="{0D1F4462-1EF2-46F1-BD8E-31763D4D9200}"/>
               </a:ext>
             </a:extLst>
           </p:cNvPr>
@@ -4511,7 +4511,7 @@
           <p:cNvPr id="8" name="图片 7">
             <a:extLst>
               <a:ext uri="{FF2B5EF4-FFF2-40B4-BE49-F238E27FC236}">
-                <a16:creationId xmlns:a16="http://schemas.microsoft.com/office/drawing/2014/main" id="{A6F05915-E59B-41EE-8382-5E45483663CF}"/>
+                <a16:creationId xmlns="" xmlns:a16="http://schemas.microsoft.com/office/drawing/2014/main" id="{A6F05915-E59B-41EE-8382-5E45483663CF}"/>
               </a:ext>
             </a:extLst>
           </p:cNvPr>
@@ -4541,7 +4541,7 @@
           <p:cNvPr id="9" name="文本框 8">
             <a:extLst>
               <a:ext uri="{FF2B5EF4-FFF2-40B4-BE49-F238E27FC236}">
-                <a16:creationId xmlns:a16="http://schemas.microsoft.com/office/drawing/2014/main" id="{D44F82CC-FD1C-4633-90C5-7AA3012DA4F5}"/>
+                <a16:creationId xmlns="" xmlns:a16="http://schemas.microsoft.com/office/drawing/2014/main" id="{D44F82CC-FD1C-4633-90C5-7AA3012DA4F5}"/>
               </a:ext>
             </a:extLst>
           </p:cNvPr>
@@ -4675,7 +4675,7 @@
           <p:cNvPr id="2" name="AutoShape 18">
             <a:extLst>
               <a:ext uri="{FF2B5EF4-FFF2-40B4-BE49-F238E27FC236}">
-                <a16:creationId xmlns:a16="http://schemas.microsoft.com/office/drawing/2014/main" id="{6F758626-0A08-4020-BD18-C5E4B2FBBED7}"/>
+                <a16:creationId xmlns="" xmlns:a16="http://schemas.microsoft.com/office/drawing/2014/main" id="{6F758626-0A08-4020-BD18-C5E4B2FBBED7}"/>
               </a:ext>
             </a:extLst>
           </p:cNvPr>
@@ -4712,7 +4712,7 @@
           <p:cNvPr id="3" name="TextBox 34">
             <a:extLst>
               <a:ext uri="{FF2B5EF4-FFF2-40B4-BE49-F238E27FC236}">
-                <a16:creationId xmlns:a16="http://schemas.microsoft.com/office/drawing/2014/main" id="{0477C9DB-EBED-43BB-9B0C-EA406307B504}"/>
+                <a16:creationId xmlns="" xmlns:a16="http://schemas.microsoft.com/office/drawing/2014/main" id="{0477C9DB-EBED-43BB-9B0C-EA406307B504}"/>
               </a:ext>
             </a:extLst>
           </p:cNvPr>
@@ -4770,7 +4770,7 @@
           <p:cNvPr id="5" name="文本框 4">
             <a:extLst>
               <a:ext uri="{FF2B5EF4-FFF2-40B4-BE49-F238E27FC236}">
-                <a16:creationId xmlns:a16="http://schemas.microsoft.com/office/drawing/2014/main" id="{DAD9FC24-6CE5-4B01-B3AD-896105C39CE2}"/>
+                <a16:creationId xmlns="" xmlns:a16="http://schemas.microsoft.com/office/drawing/2014/main" id="{DAD9FC24-6CE5-4B01-B3AD-896105C39CE2}"/>
               </a:ext>
             </a:extLst>
           </p:cNvPr>
@@ -4872,7 +4872,7 @@
           <p:cNvPr id="2" name="AutoShape 18">
             <a:extLst>
               <a:ext uri="{FF2B5EF4-FFF2-40B4-BE49-F238E27FC236}">
-                <a16:creationId xmlns:a16="http://schemas.microsoft.com/office/drawing/2014/main" id="{6F758626-0A08-4020-BD18-C5E4B2FBBED7}"/>
+                <a16:creationId xmlns="" xmlns:a16="http://schemas.microsoft.com/office/drawing/2014/main" id="{6F758626-0A08-4020-BD18-C5E4B2FBBED7}"/>
               </a:ext>
             </a:extLst>
           </p:cNvPr>
@@ -4909,7 +4909,7 @@
           <p:cNvPr id="3" name="TextBox 34">
             <a:extLst>
               <a:ext uri="{FF2B5EF4-FFF2-40B4-BE49-F238E27FC236}">
-                <a16:creationId xmlns:a16="http://schemas.microsoft.com/office/drawing/2014/main" id="{0477C9DB-EBED-43BB-9B0C-EA406307B504}"/>
+                <a16:creationId xmlns="" xmlns:a16="http://schemas.microsoft.com/office/drawing/2014/main" id="{0477C9DB-EBED-43BB-9B0C-EA406307B504}"/>
               </a:ext>
             </a:extLst>
           </p:cNvPr>
@@ -4967,7 +4967,7 @@
           <p:cNvPr id="5" name="文本框 4">
             <a:extLst>
               <a:ext uri="{FF2B5EF4-FFF2-40B4-BE49-F238E27FC236}">
-                <a16:creationId xmlns:a16="http://schemas.microsoft.com/office/drawing/2014/main" id="{DAD9FC24-6CE5-4B01-B3AD-896105C39CE2}"/>
+                <a16:creationId xmlns="" xmlns:a16="http://schemas.microsoft.com/office/drawing/2014/main" id="{DAD9FC24-6CE5-4B01-B3AD-896105C39CE2}"/>
               </a:ext>
             </a:extLst>
           </p:cNvPr>
@@ -5069,7 +5069,7 @@
           <p:cNvPr id="2" name="文本框 1">
             <a:extLst>
               <a:ext uri="{FF2B5EF4-FFF2-40B4-BE49-F238E27FC236}">
-                <a16:creationId xmlns:a16="http://schemas.microsoft.com/office/drawing/2014/main" id="{BDC5F608-D7AC-4B97-9333-3297E7AE1F64}"/>
+                <a16:creationId xmlns="" xmlns:a16="http://schemas.microsoft.com/office/drawing/2014/main" id="{BDC5F608-D7AC-4B97-9333-3297E7AE1F64}"/>
               </a:ext>
             </a:extLst>
           </p:cNvPr>
@@ -5801,7 +5801,7 @@
           <p:cNvPr id="2" name="AutoShape 18">
             <a:extLst>
               <a:ext uri="{FF2B5EF4-FFF2-40B4-BE49-F238E27FC236}">
-                <a16:creationId xmlns:a16="http://schemas.microsoft.com/office/drawing/2014/main" id="{6F758626-0A08-4020-BD18-C5E4B2FBBED7}"/>
+                <a16:creationId xmlns="" xmlns:a16="http://schemas.microsoft.com/office/drawing/2014/main" id="{6F758626-0A08-4020-BD18-C5E4B2FBBED7}"/>
               </a:ext>
             </a:extLst>
           </p:cNvPr>
@@ -5838,7 +5838,7 @@
           <p:cNvPr id="3" name="TextBox 34">
             <a:extLst>
               <a:ext uri="{FF2B5EF4-FFF2-40B4-BE49-F238E27FC236}">
-                <a16:creationId xmlns:a16="http://schemas.microsoft.com/office/drawing/2014/main" id="{0477C9DB-EBED-43BB-9B0C-EA406307B504}"/>
+                <a16:creationId xmlns="" xmlns:a16="http://schemas.microsoft.com/office/drawing/2014/main" id="{0477C9DB-EBED-43BB-9B0C-EA406307B504}"/>
               </a:ext>
             </a:extLst>
           </p:cNvPr>
@@ -5916,7 +5916,7 @@
           <p:cNvPr id="5" name="文本框 4">
             <a:extLst>
               <a:ext uri="{FF2B5EF4-FFF2-40B4-BE49-F238E27FC236}">
-                <a16:creationId xmlns:a16="http://schemas.microsoft.com/office/drawing/2014/main" id="{3EC3B0F5-6721-458D-B368-507027C7CE82}"/>
+                <a16:creationId xmlns="" xmlns:a16="http://schemas.microsoft.com/office/drawing/2014/main" id="{3EC3B0F5-6721-458D-B368-507027C7CE82}"/>
               </a:ext>
             </a:extLst>
           </p:cNvPr>
@@ -6080,7 +6080,7 @@
           <p:cNvPr id="6" name="内容占位符 4">
             <a:extLst>
               <a:ext uri="{FF2B5EF4-FFF2-40B4-BE49-F238E27FC236}">
-                <a16:creationId xmlns:a16="http://schemas.microsoft.com/office/drawing/2014/main" id="{2EAD9CBA-A162-481D-B0AF-9241AA1216E3}"/>
+                <a16:creationId xmlns="" xmlns:a16="http://schemas.microsoft.com/office/drawing/2014/main" id="{2EAD9CBA-A162-481D-B0AF-9241AA1216E3}"/>
               </a:ext>
             </a:extLst>
           </p:cNvPr>
@@ -6109,7 +6109,7 @@
           <p:cNvPr id="7" name="图片 6">
             <a:extLst>
               <a:ext uri="{FF2B5EF4-FFF2-40B4-BE49-F238E27FC236}">
-                <a16:creationId xmlns:a16="http://schemas.microsoft.com/office/drawing/2014/main" id="{C095932E-1D13-4C9F-858E-EE1C4AE954AA}"/>
+                <a16:creationId xmlns="" xmlns:a16="http://schemas.microsoft.com/office/drawing/2014/main" id="{C095932E-1D13-4C9F-858E-EE1C4AE954AA}"/>
               </a:ext>
             </a:extLst>
           </p:cNvPr>
@@ -6139,7 +6139,7 @@
           <p:cNvPr id="8" name="图片 7">
             <a:extLst>
               <a:ext uri="{FF2B5EF4-FFF2-40B4-BE49-F238E27FC236}">
-                <a16:creationId xmlns:a16="http://schemas.microsoft.com/office/drawing/2014/main" id="{1B47F401-B1BB-43A5-964A-43410FB9ACE4}"/>
+                <a16:creationId xmlns="" xmlns:a16="http://schemas.microsoft.com/office/drawing/2014/main" id="{1B47F401-B1BB-43A5-964A-43410FB9ACE4}"/>
               </a:ext>
             </a:extLst>
           </p:cNvPr>
@@ -6169,7 +6169,7 @@
           <p:cNvPr id="9" name="文本框 8">
             <a:extLst>
               <a:ext uri="{FF2B5EF4-FFF2-40B4-BE49-F238E27FC236}">
-                <a16:creationId xmlns:a16="http://schemas.microsoft.com/office/drawing/2014/main" id="{BEAE6550-76B5-4171-AB1C-DF9142BE6BC0}"/>
+                <a16:creationId xmlns="" xmlns:a16="http://schemas.microsoft.com/office/drawing/2014/main" id="{BEAE6550-76B5-4171-AB1C-DF9142BE6BC0}"/>
               </a:ext>
             </a:extLst>
           </p:cNvPr>
@@ -6337,7 +6337,7 @@
           <p:cNvPr id="10" name="文本框 9">
             <a:extLst>
               <a:ext uri="{FF2B5EF4-FFF2-40B4-BE49-F238E27FC236}">
-                <a16:creationId xmlns:a16="http://schemas.microsoft.com/office/drawing/2014/main" id="{4D95EE32-8431-4329-8AF3-2E44412DEE27}"/>
+                <a16:creationId xmlns="" xmlns:a16="http://schemas.microsoft.com/office/drawing/2014/main" id="{4D95EE32-8431-4329-8AF3-2E44412DEE27}"/>
               </a:ext>
             </a:extLst>
           </p:cNvPr>
@@ -6392,7 +6392,7 @@
           <p:cNvPr id="11" name="文本框 10">
             <a:extLst>
               <a:ext uri="{FF2B5EF4-FFF2-40B4-BE49-F238E27FC236}">
-                <a16:creationId xmlns:a16="http://schemas.microsoft.com/office/drawing/2014/main" id="{DC333D87-A869-457D-932F-1038C1AC1745}"/>
+                <a16:creationId xmlns="" xmlns:a16="http://schemas.microsoft.com/office/drawing/2014/main" id="{DC333D87-A869-457D-932F-1038C1AC1745}"/>
               </a:ext>
             </a:extLst>
           </p:cNvPr>
@@ -6443,7 +6443,7 @@
           <p:cNvPr id="12" name="文本框 11">
             <a:extLst>
               <a:ext uri="{FF2B5EF4-FFF2-40B4-BE49-F238E27FC236}">
-                <a16:creationId xmlns:a16="http://schemas.microsoft.com/office/drawing/2014/main" id="{D618EBDF-F538-4868-9DB6-622248A3ECE0}"/>
+                <a16:creationId xmlns="" xmlns:a16="http://schemas.microsoft.com/office/drawing/2014/main" id="{D618EBDF-F538-4868-9DB6-622248A3ECE0}"/>
               </a:ext>
             </a:extLst>
           </p:cNvPr>
@@ -6592,7 +6592,7 @@
           <p:cNvPr id="13" name="文本框 12">
             <a:extLst>
               <a:ext uri="{FF2B5EF4-FFF2-40B4-BE49-F238E27FC236}">
-                <a16:creationId xmlns:a16="http://schemas.microsoft.com/office/drawing/2014/main" id="{6B042F2A-9E63-488A-81A1-8EEA499225DD}"/>
+                <a16:creationId xmlns="" xmlns:a16="http://schemas.microsoft.com/office/drawing/2014/main" id="{6B042F2A-9E63-488A-81A1-8EEA499225DD}"/>
               </a:ext>
             </a:extLst>
           </p:cNvPr>
@@ -6673,7 +6673,7 @@
           <p:cNvPr id="17" name="文本框 16">
             <a:extLst>
               <a:ext uri="{FF2B5EF4-FFF2-40B4-BE49-F238E27FC236}">
-                <a16:creationId xmlns:a16="http://schemas.microsoft.com/office/drawing/2014/main" id="{B8630656-AFC2-4959-8495-CEFE819E1BC0}"/>
+                <a16:creationId xmlns="" xmlns:a16="http://schemas.microsoft.com/office/drawing/2014/main" id="{B8630656-AFC2-4959-8495-CEFE819E1BC0}"/>
               </a:ext>
             </a:extLst>
           </p:cNvPr>
@@ -6755,7 +6755,7 @@
           <p:cNvPr id="19" name="图片 18">
             <a:extLst>
               <a:ext uri="{FF2B5EF4-FFF2-40B4-BE49-F238E27FC236}">
-                <a16:creationId xmlns:a16="http://schemas.microsoft.com/office/drawing/2014/main" id="{05219E4D-3822-492C-A97A-1AE16FCFEF5C}"/>
+                <a16:creationId xmlns="" xmlns:a16="http://schemas.microsoft.com/office/drawing/2014/main" id="{05219E4D-3822-492C-A97A-1AE16FCFEF5C}"/>
               </a:ext>
             </a:extLst>
           </p:cNvPr>
@@ -6785,7 +6785,7 @@
           <p:cNvPr id="25" name="图片 24">
             <a:extLst>
               <a:ext uri="{FF2B5EF4-FFF2-40B4-BE49-F238E27FC236}">
-                <a16:creationId xmlns:a16="http://schemas.microsoft.com/office/drawing/2014/main" id="{805593D9-41CD-4F59-BE94-4D9EB757B719}"/>
+                <a16:creationId xmlns="" xmlns:a16="http://schemas.microsoft.com/office/drawing/2014/main" id="{805593D9-41CD-4F59-BE94-4D9EB757B719}"/>
               </a:ext>
             </a:extLst>
           </p:cNvPr>
@@ -6795,7 +6795,7 @@
           <p:nvPr/>
         </p:nvPicPr>
         <p:blipFill>
-          <a:blip r:embed="rId10">
+          <a:blip r:embed="rId10" cstate="print">
             <a:extLst>
               <a:ext uri="{28A0092B-C50C-407E-A947-70E740481C1C}">
                 <a14:useLocalDpi xmlns:a14="http://schemas.microsoft.com/office/drawing/2010/main" val="0"/>
@@ -6851,7 +6851,7 @@
           <p:cNvPr id="2" name="文本框 1">
             <a:extLst>
               <a:ext uri="{FF2B5EF4-FFF2-40B4-BE49-F238E27FC236}">
-                <a16:creationId xmlns:a16="http://schemas.microsoft.com/office/drawing/2014/main" id="{D86A0153-DE83-41CD-B702-DDA40D82E491}"/>
+                <a16:creationId xmlns="" xmlns:a16="http://schemas.microsoft.com/office/drawing/2014/main" id="{D86A0153-DE83-41CD-B702-DDA40D82E491}"/>
               </a:ext>
             </a:extLst>
           </p:cNvPr>
@@ -6893,7 +6893,7 @@
           <p:cNvPr id="3" name="AutoShape 18">
             <a:extLst>
               <a:ext uri="{FF2B5EF4-FFF2-40B4-BE49-F238E27FC236}">
-                <a16:creationId xmlns:a16="http://schemas.microsoft.com/office/drawing/2014/main" id="{EBD4A5AB-BF80-48D0-8309-0D7741F469A1}"/>
+                <a16:creationId xmlns="" xmlns:a16="http://schemas.microsoft.com/office/drawing/2014/main" id="{EBD4A5AB-BF80-48D0-8309-0D7741F469A1}"/>
               </a:ext>
             </a:extLst>
           </p:cNvPr>
@@ -6930,7 +6930,7 @@
           <p:cNvPr id="4" name="TextBox 34">
             <a:extLst>
               <a:ext uri="{FF2B5EF4-FFF2-40B4-BE49-F238E27FC236}">
-                <a16:creationId xmlns:a16="http://schemas.microsoft.com/office/drawing/2014/main" id="{9B43548A-E8E8-42E9-96DC-02A0E799C19B}"/>
+                <a16:creationId xmlns="" xmlns:a16="http://schemas.microsoft.com/office/drawing/2014/main" id="{9B43548A-E8E8-42E9-96DC-02A0E799C19B}"/>
               </a:ext>
             </a:extLst>
           </p:cNvPr>
@@ -7008,7 +7008,7 @@
           <p:cNvPr id="5" name="文本框 4">
             <a:extLst>
               <a:ext uri="{FF2B5EF4-FFF2-40B4-BE49-F238E27FC236}">
-                <a16:creationId xmlns:a16="http://schemas.microsoft.com/office/drawing/2014/main" id="{2B7F0FB1-21B1-4DD4-8B28-DFA9B1E75542}"/>
+                <a16:creationId xmlns="" xmlns:a16="http://schemas.microsoft.com/office/drawing/2014/main" id="{2B7F0FB1-21B1-4DD4-8B28-DFA9B1E75542}"/>
               </a:ext>
             </a:extLst>
           </p:cNvPr>
@@ -7017,7 +7017,7 @@
         </p:nvSpPr>
         <p:spPr>
           <a:xfrm>
-            <a:off x="228600" y="1409991"/>
+            <a:off x="228600" y="1266995"/>
             <a:ext cx="11826124" cy="1754326"/>
           </a:xfrm>
           <a:prstGeom prst="rect">
@@ -7204,7 +7204,7 @@
           <p:cNvPr id="6" name="文本框 5">
             <a:extLst>
               <a:ext uri="{FF2B5EF4-FFF2-40B4-BE49-F238E27FC236}">
-                <a16:creationId xmlns:a16="http://schemas.microsoft.com/office/drawing/2014/main" id="{06EDC02A-E264-48A1-BCEF-B69BB9967FC8}"/>
+                <a16:creationId xmlns="" xmlns:a16="http://schemas.microsoft.com/office/drawing/2014/main" id="{06EDC02A-E264-48A1-BCEF-B69BB9967FC8}"/>
               </a:ext>
             </a:extLst>
           </p:cNvPr>
@@ -7213,7 +7213,7 @@
         </p:nvSpPr>
         <p:spPr>
           <a:xfrm>
-            <a:off x="116701" y="3497300"/>
+            <a:off x="116701" y="3105053"/>
             <a:ext cx="6180666" cy="369332"/>
           </a:xfrm>
           <a:prstGeom prst="rect">
@@ -7246,7 +7246,7 @@
           <p:cNvPr id="7" name="文本框 6">
             <a:extLst>
               <a:ext uri="{FF2B5EF4-FFF2-40B4-BE49-F238E27FC236}">
-                <a16:creationId xmlns:a16="http://schemas.microsoft.com/office/drawing/2014/main" id="{8EC1A8FD-C72C-4E89-A1CE-BE461EAE94D2}"/>
+                <a16:creationId xmlns="" xmlns:a16="http://schemas.microsoft.com/office/drawing/2014/main" id="{8EC1A8FD-C72C-4E89-A1CE-BE461EAE94D2}"/>
               </a:ext>
             </a:extLst>
           </p:cNvPr>
@@ -7255,7 +7255,7 @@
         </p:nvSpPr>
         <p:spPr>
           <a:xfrm>
-            <a:off x="228600" y="3886782"/>
+            <a:off x="228600" y="3494535"/>
             <a:ext cx="11826124" cy="646331"/>
           </a:xfrm>
           <a:prstGeom prst="rect">
@@ -7369,7 +7369,7 @@
           <p:cNvPr id="8" name="文本框 7">
             <a:extLst>
               <a:ext uri="{FF2B5EF4-FFF2-40B4-BE49-F238E27FC236}">
-                <a16:creationId xmlns:a16="http://schemas.microsoft.com/office/drawing/2014/main" id="{2C3B6B04-52A8-43F5-9782-BFBDA1904A6C}"/>
+                <a16:creationId xmlns="" xmlns:a16="http://schemas.microsoft.com/office/drawing/2014/main" id="{2C3B6B04-52A8-43F5-9782-BFBDA1904A6C}"/>
               </a:ext>
             </a:extLst>
           </p:cNvPr>
@@ -7378,7 +7378,7 @@
         </p:nvSpPr>
         <p:spPr>
           <a:xfrm>
-            <a:off x="116701" y="4759544"/>
+            <a:off x="116701" y="5547838"/>
             <a:ext cx="6180666" cy="369332"/>
           </a:xfrm>
           <a:prstGeom prst="rect">
@@ -7411,7 +7411,7 @@
           <p:cNvPr id="9" name="文本框 8">
             <a:extLst>
               <a:ext uri="{FF2B5EF4-FFF2-40B4-BE49-F238E27FC236}">
-                <a16:creationId xmlns:a16="http://schemas.microsoft.com/office/drawing/2014/main" id="{2E5603A1-294D-4380-A828-A6AAEB8935A8}"/>
+                <a16:creationId xmlns="" xmlns:a16="http://schemas.microsoft.com/office/drawing/2014/main" id="{2E5603A1-294D-4380-A828-A6AAEB8935A8}"/>
               </a:ext>
             </a:extLst>
           </p:cNvPr>
@@ -7420,7 +7420,7 @@
         </p:nvSpPr>
         <p:spPr>
           <a:xfrm>
-            <a:off x="228600" y="5086173"/>
+            <a:off x="228600" y="5874467"/>
             <a:ext cx="11826124" cy="923330"/>
           </a:xfrm>
           <a:prstGeom prst="rect">
@@ -7481,6 +7481,171 @@
               <a:rPr lang="zh-CN" altLang="en-US" dirty="0"/>
               <a:t>差一点点</a:t>
             </a:r>
+          </a:p>
+        </p:txBody>
+      </p:sp>
+      <p:sp>
+        <p:nvSpPr>
+          <p:cNvPr id="10" name="文本框 5">
+            <a:extLst>
+              <a:ext uri="{FF2B5EF4-FFF2-40B4-BE49-F238E27FC236}">
+                <a16:creationId xmlns="" xmlns:a16="http://schemas.microsoft.com/office/drawing/2014/main" id="{06EDC02A-E264-48A1-BCEF-B69BB9967FC8}"/>
+              </a:ext>
+            </a:extLst>
+          </p:cNvPr>
+          <p:cNvSpPr txBox="1"/>
+          <p:nvPr/>
+        </p:nvSpPr>
+        <p:spPr>
+          <a:xfrm>
+            <a:off x="116701" y="4319944"/>
+            <a:ext cx="6180666" cy="369332"/>
+          </a:xfrm>
+          <a:prstGeom prst="rect">
+            <a:avLst/>
+          </a:prstGeom>
+          <a:noFill/>
+        </p:spPr>
+        <p:txBody>
+          <a:bodyPr wrap="square">
+            <a:spAutoFit/>
+          </a:bodyPr>
+          <a:lstStyle/>
+          <a:p>
+            <a:r>
+              <a:rPr lang="zh-CN" altLang="en-US" b="1" dirty="0" smtClean="0">
+                <a:solidFill>
+                  <a:schemeClr val="accent1">
+                    <a:lumMod val="75000"/>
+                  </a:schemeClr>
+                </a:solidFill>
+              </a:rPr>
+              <a:t>实验相关设置</a:t>
+            </a:r>
+            <a:endParaRPr lang="zh-CN" altLang="en-US" dirty="0"/>
+          </a:p>
+        </p:txBody>
+      </p:sp>
+      <p:sp>
+        <p:nvSpPr>
+          <p:cNvPr id="11" name="文本框 6">
+            <a:extLst>
+              <a:ext uri="{FF2B5EF4-FFF2-40B4-BE49-F238E27FC236}">
+                <a16:creationId xmlns="" xmlns:a16="http://schemas.microsoft.com/office/drawing/2014/main" id="{8EC1A8FD-C72C-4E89-A1CE-BE461EAE94D2}"/>
+              </a:ext>
+            </a:extLst>
+          </p:cNvPr>
+          <p:cNvSpPr txBox="1"/>
+          <p:nvPr/>
+        </p:nvSpPr>
+        <p:spPr>
+          <a:xfrm>
+            <a:off x="228600" y="4709426"/>
+            <a:ext cx="11826124" cy="646331"/>
+          </a:xfrm>
+          <a:prstGeom prst="rect">
+            <a:avLst/>
+          </a:prstGeom>
+          <a:noFill/>
+        </p:spPr>
+        <p:txBody>
+          <a:bodyPr wrap="square" rtlCol="0">
+            <a:spAutoFit/>
+          </a:bodyPr>
+          <a:lstStyle/>
+          <a:p>
+            <a:pPr marL="342900" indent="-342900">
+              <a:buAutoNum type="arabicPeriod"/>
+            </a:pPr>
+            <a:r>
+              <a:rPr lang="zh-CN" altLang="en-US" dirty="0" smtClean="0"/>
+              <a:t>发送</a:t>
+            </a:r>
+            <a:r>
+              <a:rPr lang="en-US" altLang="zh-CN" dirty="0" smtClean="0"/>
+              <a:t>TPS</a:t>
+            </a:r>
+            <a:r>
+              <a:rPr lang="zh-CN" altLang="en-US" dirty="0" smtClean="0"/>
+              <a:t>，取</a:t>
+            </a:r>
+            <a:r>
+              <a:rPr lang="en-US" altLang="zh-CN" dirty="0" smtClean="0"/>
+              <a:t>2500</a:t>
+            </a:r>
+            <a:r>
+              <a:rPr lang="zh-CN" altLang="en-US" dirty="0" smtClean="0"/>
+              <a:t>，在相关的实验环境下（</a:t>
+            </a:r>
+            <a:r>
+              <a:rPr lang="en-US" altLang="zh-CN" dirty="0" smtClean="0"/>
+              <a:t>64</a:t>
+            </a:r>
+            <a:r>
+              <a:rPr lang="zh-CN" altLang="en-US" dirty="0" smtClean="0"/>
+              <a:t>核</a:t>
+            </a:r>
+            <a:r>
+              <a:rPr lang="en-US" altLang="zh-CN" dirty="0" smtClean="0"/>
+              <a:t>256G</a:t>
+            </a:r>
+            <a:r>
+              <a:rPr lang="zh-CN" altLang="en-US" dirty="0" smtClean="0"/>
+              <a:t>内存，</a:t>
+            </a:r>
+            <a:r>
+              <a:rPr lang="en-US" altLang="zh-CN" dirty="0" smtClean="0"/>
+              <a:t>2peer</a:t>
+            </a:r>
+            <a:r>
+              <a:rPr lang="zh-CN" altLang="en-US" dirty="0" smtClean="0"/>
+              <a:t>、</a:t>
+            </a:r>
+            <a:r>
+              <a:rPr lang="en-US" altLang="zh-CN" dirty="0" smtClean="0"/>
+              <a:t>3orderer</a:t>
+            </a:r>
+            <a:r>
+              <a:rPr lang="zh-CN" altLang="en-US" smtClean="0"/>
+              <a:t>，双背书</a:t>
+            </a:r>
+            <a:r>
+              <a:rPr lang="zh-CN" altLang="en-US" dirty="0" smtClean="0"/>
+              <a:t>），</a:t>
+            </a:r>
+            <a:r>
+              <a:rPr lang="en-US" altLang="zh-CN" dirty="0" err="1" smtClean="0"/>
+              <a:t>tps</a:t>
+            </a:r>
+            <a:r>
+              <a:rPr lang="zh-CN" altLang="en-US" dirty="0" smtClean="0"/>
+              <a:t>和时延处于一个比较合适的水平，时延</a:t>
+            </a:r>
+            <a:r>
+              <a:rPr lang="en-US" altLang="zh-CN" dirty="0" smtClean="0"/>
+              <a:t>1s</a:t>
+            </a:r>
+            <a:r>
+              <a:rPr lang="zh-CN" altLang="en-US" dirty="0" smtClean="0"/>
+              <a:t>内，且</a:t>
+            </a:r>
+            <a:r>
+              <a:rPr lang="en-US" altLang="zh-CN" dirty="0" smtClean="0"/>
+              <a:t>TPS</a:t>
+            </a:r>
+            <a:r>
+              <a:rPr lang="zh-CN" altLang="en-US" dirty="0" smtClean="0"/>
+              <a:t>能够在</a:t>
+            </a:r>
+            <a:r>
+              <a:rPr lang="en-US" altLang="zh-CN" dirty="0" smtClean="0"/>
+              <a:t>2500</a:t>
+            </a:r>
+            <a:r>
+              <a:rPr lang="zh-CN" altLang="en-US" dirty="0" smtClean="0"/>
+              <a:t>附近。</a:t>
+            </a:r>
+            <a:endParaRPr lang="zh-CN" altLang="en-US" dirty="0"/>
           </a:p>
         </p:txBody>
       </p:sp>
@@ -7519,7 +7684,7 @@
           <p:cNvPr id="2" name="标题 1">
             <a:extLst>
               <a:ext uri="{FF2B5EF4-FFF2-40B4-BE49-F238E27FC236}">
-                <a16:creationId xmlns:a16="http://schemas.microsoft.com/office/drawing/2014/main" id="{0C413A2B-47CB-42F0-A760-627FFEACF045}"/>
+                <a16:creationId xmlns="" xmlns:a16="http://schemas.microsoft.com/office/drawing/2014/main" id="{0C413A2B-47CB-42F0-A760-627FFEACF045}"/>
               </a:ext>
             </a:extLst>
           </p:cNvPr>
@@ -7551,9 +7716,17 @@
               <a:rPr lang="zh-CN" altLang="en-US" dirty="0"/>
               <a:t>并发冲突解决方案</a:t>
             </a:r>
+            <a:r>
+              <a:rPr lang="en-US" altLang="zh-CN" dirty="0"/>
+              <a:t/>
+            </a:r>
             <a:br>
               <a:rPr lang="en-US" altLang="zh-CN" dirty="0"/>
             </a:br>
+            <a:r>
+              <a:rPr lang="en-US" altLang="zh-CN" dirty="0"/>
+              <a:t/>
+            </a:r>
             <a:br>
               <a:rPr lang="en-US" altLang="zh-CN" dirty="0"/>
             </a:br>
@@ -7604,7 +7777,7 @@
           <p:cNvPr id="2" name="标题 1">
             <a:extLst>
               <a:ext uri="{FF2B5EF4-FFF2-40B4-BE49-F238E27FC236}">
-                <a16:creationId xmlns:a16="http://schemas.microsoft.com/office/drawing/2014/main" id="{C551A63E-8142-48AF-8950-F2CB331E5B6F}"/>
+                <a16:creationId xmlns="" xmlns:a16="http://schemas.microsoft.com/office/drawing/2014/main" id="{C551A63E-8142-48AF-8950-F2CB331E5B6F}"/>
               </a:ext>
             </a:extLst>
           </p:cNvPr>
@@ -7641,7 +7814,7 @@
           <p:cNvPr id="3" name="文本框 2">
             <a:extLst>
               <a:ext uri="{FF2B5EF4-FFF2-40B4-BE49-F238E27FC236}">
-                <a16:creationId xmlns:a16="http://schemas.microsoft.com/office/drawing/2014/main" id="{351EED71-3DC1-4305-B721-F1ADB90D1852}"/>
+                <a16:creationId xmlns="" xmlns:a16="http://schemas.microsoft.com/office/drawing/2014/main" id="{351EED71-3DC1-4305-B721-F1ADB90D1852}"/>
               </a:ext>
             </a:extLst>
           </p:cNvPr>
@@ -7681,7 +7854,7 @@
           <p:cNvPr id="5" name="图片 4">
             <a:extLst>
               <a:ext uri="{FF2B5EF4-FFF2-40B4-BE49-F238E27FC236}">
-                <a16:creationId xmlns:a16="http://schemas.microsoft.com/office/drawing/2014/main" id="{C9AAA096-9E47-45FA-89F8-6104942F734A}"/>
+                <a16:creationId xmlns="" xmlns:a16="http://schemas.microsoft.com/office/drawing/2014/main" id="{C9AAA096-9E47-45FA-89F8-6104942F734A}"/>
               </a:ext>
             </a:extLst>
           </p:cNvPr>
@@ -7710,7 +7883,7 @@
           <p:cNvPr id="7" name="图片 6">
             <a:extLst>
               <a:ext uri="{FF2B5EF4-FFF2-40B4-BE49-F238E27FC236}">
-                <a16:creationId xmlns:a16="http://schemas.microsoft.com/office/drawing/2014/main" id="{0A729C13-7991-427F-BDC0-AC6FF1690859}"/>
+                <a16:creationId xmlns="" xmlns:a16="http://schemas.microsoft.com/office/drawing/2014/main" id="{0A729C13-7991-427F-BDC0-AC6FF1690859}"/>
               </a:ext>
             </a:extLst>
           </p:cNvPr>
@@ -7739,7 +7912,7 @@
           <p:cNvPr id="10" name="文本框 9">
             <a:extLst>
               <a:ext uri="{FF2B5EF4-FFF2-40B4-BE49-F238E27FC236}">
-                <a16:creationId xmlns:a16="http://schemas.microsoft.com/office/drawing/2014/main" id="{073A94E8-0FF9-4824-A6A1-379170AE8E44}"/>
+                <a16:creationId xmlns="" xmlns:a16="http://schemas.microsoft.com/office/drawing/2014/main" id="{073A94E8-0FF9-4824-A6A1-379170AE8E44}"/>
               </a:ext>
             </a:extLst>
           </p:cNvPr>
@@ -7781,7 +7954,7 @@
           <p:cNvPr id="12" name="文本框 11">
             <a:extLst>
               <a:ext uri="{FF2B5EF4-FFF2-40B4-BE49-F238E27FC236}">
-                <a16:creationId xmlns:a16="http://schemas.microsoft.com/office/drawing/2014/main" id="{C6DC5670-F410-475C-8AE9-56C218B506E8}"/>
+                <a16:creationId xmlns="" xmlns:a16="http://schemas.microsoft.com/office/drawing/2014/main" id="{C6DC5670-F410-475C-8AE9-56C218B506E8}"/>
               </a:ext>
             </a:extLst>
           </p:cNvPr>
@@ -7821,7 +7994,7 @@
           <p:cNvPr id="13" name="图片 12">
             <a:extLst>
               <a:ext uri="{FF2B5EF4-FFF2-40B4-BE49-F238E27FC236}">
-                <a16:creationId xmlns:a16="http://schemas.microsoft.com/office/drawing/2014/main" id="{2C183F4B-D278-4D38-B99A-6A7A13DEBDDE}"/>
+                <a16:creationId xmlns="" xmlns:a16="http://schemas.microsoft.com/office/drawing/2014/main" id="{2C183F4B-D278-4D38-B99A-6A7A13DEBDDE}"/>
               </a:ext>
             </a:extLst>
           </p:cNvPr>
@@ -7851,7 +8024,7 @@
           <p:cNvPr id="15" name="文本框 14">
             <a:extLst>
               <a:ext uri="{FF2B5EF4-FFF2-40B4-BE49-F238E27FC236}">
-                <a16:creationId xmlns:a16="http://schemas.microsoft.com/office/drawing/2014/main" id="{5A039204-9836-4AE2-A960-95ADB4600492}"/>
+                <a16:creationId xmlns="" xmlns:a16="http://schemas.microsoft.com/office/drawing/2014/main" id="{5A039204-9836-4AE2-A960-95ADB4600492}"/>
               </a:ext>
             </a:extLst>
           </p:cNvPr>
@@ -7958,7 +8131,7 @@
           <p:cNvPr id="16" name="图片 15">
             <a:extLst>
               <a:ext uri="{FF2B5EF4-FFF2-40B4-BE49-F238E27FC236}">
-                <a16:creationId xmlns:a16="http://schemas.microsoft.com/office/drawing/2014/main" id="{0CC42FEA-466C-49AB-B1BF-02D254E092AE}"/>
+                <a16:creationId xmlns="" xmlns:a16="http://schemas.microsoft.com/office/drawing/2014/main" id="{0CC42FEA-466C-49AB-B1BF-02D254E092AE}"/>
               </a:ext>
             </a:extLst>
           </p:cNvPr>
@@ -7988,7 +8161,7 @@
           <p:cNvPr id="18" name="文本框 17">
             <a:extLst>
               <a:ext uri="{FF2B5EF4-FFF2-40B4-BE49-F238E27FC236}">
-                <a16:creationId xmlns:a16="http://schemas.microsoft.com/office/drawing/2014/main" id="{420F043F-7ABD-4071-AFDF-E0FB4BDBA013}"/>
+                <a16:creationId xmlns="" xmlns:a16="http://schemas.microsoft.com/office/drawing/2014/main" id="{420F043F-7ABD-4071-AFDF-E0FB4BDBA013}"/>
               </a:ext>
             </a:extLst>
           </p:cNvPr>
@@ -8028,7 +8201,7 @@
           <p:cNvPr id="19" name="文本框 18">
             <a:extLst>
               <a:ext uri="{FF2B5EF4-FFF2-40B4-BE49-F238E27FC236}">
-                <a16:creationId xmlns:a16="http://schemas.microsoft.com/office/drawing/2014/main" id="{763EEBB4-8250-490F-A3B7-396AF486A58C}"/>
+                <a16:creationId xmlns="" xmlns:a16="http://schemas.microsoft.com/office/drawing/2014/main" id="{763EEBB4-8250-490F-A3B7-396AF486A58C}"/>
               </a:ext>
             </a:extLst>
           </p:cNvPr>
@@ -8073,7 +8246,7 @@
           <p:cNvPr id="20" name="文本框 19">
             <a:extLst>
               <a:ext uri="{FF2B5EF4-FFF2-40B4-BE49-F238E27FC236}">
-                <a16:creationId xmlns:a16="http://schemas.microsoft.com/office/drawing/2014/main" id="{9C95A135-F493-4C37-9D28-D50551C0D0C0}"/>
+                <a16:creationId xmlns="" xmlns:a16="http://schemas.microsoft.com/office/drawing/2014/main" id="{9C95A135-F493-4C37-9D28-D50551C0D0C0}"/>
               </a:ext>
             </a:extLst>
           </p:cNvPr>
@@ -8113,7 +8286,7 @@
           <p:cNvPr id="23" name="文本框 22">
             <a:extLst>
               <a:ext uri="{FF2B5EF4-FFF2-40B4-BE49-F238E27FC236}">
-                <a16:creationId xmlns:a16="http://schemas.microsoft.com/office/drawing/2014/main" id="{475F9B51-1E8F-412B-BC0B-96D2E0CF31F4}"/>
+                <a16:creationId xmlns="" xmlns:a16="http://schemas.microsoft.com/office/drawing/2014/main" id="{475F9B51-1E8F-412B-BC0B-96D2E0CF31F4}"/>
               </a:ext>
             </a:extLst>
           </p:cNvPr>
@@ -8265,7 +8438,7 @@
           <p:cNvPr id="24" name="图片 23">
             <a:extLst>
               <a:ext uri="{FF2B5EF4-FFF2-40B4-BE49-F238E27FC236}">
-                <a16:creationId xmlns:a16="http://schemas.microsoft.com/office/drawing/2014/main" id="{0FD2628F-FF38-4285-AF8C-B70869D25E0B}"/>
+                <a16:creationId xmlns="" xmlns:a16="http://schemas.microsoft.com/office/drawing/2014/main" id="{0FD2628F-FF38-4285-AF8C-B70869D25E0B}"/>
               </a:ext>
             </a:extLst>
           </p:cNvPr>
@@ -8325,7 +8498,7 @@
           <p:cNvPr id="2" name="标题 1">
             <a:extLst>
               <a:ext uri="{FF2B5EF4-FFF2-40B4-BE49-F238E27FC236}">
-                <a16:creationId xmlns:a16="http://schemas.microsoft.com/office/drawing/2014/main" id="{E23F3A8D-81AA-4070-BCD8-88501A481038}"/>
+                <a16:creationId xmlns="" xmlns:a16="http://schemas.microsoft.com/office/drawing/2014/main" id="{E23F3A8D-81AA-4070-BCD8-88501A481038}"/>
               </a:ext>
             </a:extLst>
           </p:cNvPr>
@@ -8362,7 +8535,7 @@
           <p:cNvPr id="4" name="图片 3">
             <a:extLst>
               <a:ext uri="{FF2B5EF4-FFF2-40B4-BE49-F238E27FC236}">
-                <a16:creationId xmlns:a16="http://schemas.microsoft.com/office/drawing/2014/main" id="{785F40A0-A866-45DA-9DF4-F5C5CA875537}"/>
+                <a16:creationId xmlns="" xmlns:a16="http://schemas.microsoft.com/office/drawing/2014/main" id="{785F40A0-A866-45DA-9DF4-F5C5CA875537}"/>
               </a:ext>
             </a:extLst>
           </p:cNvPr>
@@ -8391,7 +8564,7 @@
           <p:cNvPr id="5" name="图片 4">
             <a:extLst>
               <a:ext uri="{FF2B5EF4-FFF2-40B4-BE49-F238E27FC236}">
-                <a16:creationId xmlns:a16="http://schemas.microsoft.com/office/drawing/2014/main" id="{3126C5BE-BCD6-4913-8547-499D87617EBA}"/>
+                <a16:creationId xmlns="" xmlns:a16="http://schemas.microsoft.com/office/drawing/2014/main" id="{3126C5BE-BCD6-4913-8547-499D87617EBA}"/>
               </a:ext>
             </a:extLst>
           </p:cNvPr>
@@ -8450,7 +8623,7 @@
           <p:cNvPr id="2" name="标题 1">
             <a:extLst>
               <a:ext uri="{FF2B5EF4-FFF2-40B4-BE49-F238E27FC236}">
-                <a16:creationId xmlns:a16="http://schemas.microsoft.com/office/drawing/2014/main" id="{DFEB22FD-4E3F-4C29-865F-376A98AD0981}"/>
+                <a16:creationId xmlns="" xmlns:a16="http://schemas.microsoft.com/office/drawing/2014/main" id="{DFEB22FD-4E3F-4C29-865F-376A98AD0981}"/>
               </a:ext>
             </a:extLst>
           </p:cNvPr>
@@ -8487,7 +8660,7 @@
           <p:cNvPr id="4" name="文本框 3">
             <a:extLst>
               <a:ext uri="{FF2B5EF4-FFF2-40B4-BE49-F238E27FC236}">
-                <a16:creationId xmlns:a16="http://schemas.microsoft.com/office/drawing/2014/main" id="{68981754-FB4C-4F1A-9EEF-C0ABFCFFD339}"/>
+                <a16:creationId xmlns="" xmlns:a16="http://schemas.microsoft.com/office/drawing/2014/main" id="{68981754-FB4C-4F1A-9EEF-C0ABFCFFD339}"/>
               </a:ext>
             </a:extLst>
           </p:cNvPr>
@@ -8603,7 +8776,7 @@
           <p:cNvPr id="2" name="标题 1">
             <a:extLst>
               <a:ext uri="{FF2B5EF4-FFF2-40B4-BE49-F238E27FC236}">
-                <a16:creationId xmlns:a16="http://schemas.microsoft.com/office/drawing/2014/main" id="{E1BB0A2B-C5FF-43B2-A086-2E7D3379F0C0}"/>
+                <a16:creationId xmlns="" xmlns:a16="http://schemas.microsoft.com/office/drawing/2014/main" id="{E1BB0A2B-C5FF-43B2-A086-2E7D3379F0C0}"/>
               </a:ext>
             </a:extLst>
           </p:cNvPr>
@@ -8637,7 +8810,7 @@
           <p:cNvPr id="4" name="文本框 3">
             <a:extLst>
               <a:ext uri="{FF2B5EF4-FFF2-40B4-BE49-F238E27FC236}">
-                <a16:creationId xmlns:a16="http://schemas.microsoft.com/office/drawing/2014/main" id="{12E4D1EE-B601-4D7C-8F4A-274BA70CCF33}"/>
+                <a16:creationId xmlns="" xmlns:a16="http://schemas.microsoft.com/office/drawing/2014/main" id="{12E4D1EE-B601-4D7C-8F4A-274BA70CCF33}"/>
               </a:ext>
             </a:extLst>
           </p:cNvPr>
@@ -8688,7 +8861,7 @@
           <p:cNvPr id="5" name="文本框 4">
             <a:extLst>
               <a:ext uri="{FF2B5EF4-FFF2-40B4-BE49-F238E27FC236}">
-                <a16:creationId xmlns:a16="http://schemas.microsoft.com/office/drawing/2014/main" id="{9CB23D72-765D-41CC-AFF5-66B6CBAF625B}"/>
+                <a16:creationId xmlns="" xmlns:a16="http://schemas.microsoft.com/office/drawing/2014/main" id="{9CB23D72-765D-41CC-AFF5-66B6CBAF625B}"/>
               </a:ext>
             </a:extLst>
           </p:cNvPr>
@@ -8728,7 +8901,7 @@
           <p:cNvPr id="7" name="图片 6">
             <a:extLst>
               <a:ext uri="{FF2B5EF4-FFF2-40B4-BE49-F238E27FC236}">
-                <a16:creationId xmlns:a16="http://schemas.microsoft.com/office/drawing/2014/main" id="{D2F9E38E-7F23-4139-8A2C-43534A136BB7}"/>
+                <a16:creationId xmlns="" xmlns:a16="http://schemas.microsoft.com/office/drawing/2014/main" id="{D2F9E38E-7F23-4139-8A2C-43534A136BB7}"/>
               </a:ext>
             </a:extLst>
           </p:cNvPr>
@@ -8758,7 +8931,7 @@
           <p:cNvPr id="8" name="文本框 7">
             <a:extLst>
               <a:ext uri="{FF2B5EF4-FFF2-40B4-BE49-F238E27FC236}">
-                <a16:creationId xmlns:a16="http://schemas.microsoft.com/office/drawing/2014/main" id="{EB841FE1-B50B-4B05-8D14-6DBE94B66538}"/>
+                <a16:creationId xmlns="" xmlns:a16="http://schemas.microsoft.com/office/drawing/2014/main" id="{EB841FE1-B50B-4B05-8D14-6DBE94B66538}"/>
               </a:ext>
             </a:extLst>
           </p:cNvPr>
@@ -8844,7 +9017,7 @@
           <p:cNvPr id="9" name="文本框 8">
             <a:extLst>
               <a:ext uri="{FF2B5EF4-FFF2-40B4-BE49-F238E27FC236}">
-                <a16:creationId xmlns:a16="http://schemas.microsoft.com/office/drawing/2014/main" id="{2D2B9793-61FB-4E49-990A-066C482A1FD6}"/>
+                <a16:creationId xmlns="" xmlns:a16="http://schemas.microsoft.com/office/drawing/2014/main" id="{2D2B9793-61FB-4E49-990A-066C482A1FD6}"/>
               </a:ext>
             </a:extLst>
           </p:cNvPr>
@@ -8884,7 +9057,7 @@
           <p:cNvPr id="10" name="文本框 9">
             <a:extLst>
               <a:ext uri="{FF2B5EF4-FFF2-40B4-BE49-F238E27FC236}">
-                <a16:creationId xmlns:a16="http://schemas.microsoft.com/office/drawing/2014/main" id="{D9DAF378-FFDE-40FB-94D8-305676113C37}"/>
+                <a16:creationId xmlns="" xmlns:a16="http://schemas.microsoft.com/office/drawing/2014/main" id="{D9DAF378-FFDE-40FB-94D8-305676113C37}"/>
               </a:ext>
             </a:extLst>
           </p:cNvPr>
@@ -9275,7 +9448,7 @@
   <a:extraClrSchemeLst/>
   <a:extLst>
     <a:ext uri="{05A4C25C-085E-4340-85A3-A5531E510DB2}">
-      <thm15:themeFamily xmlns:thm15="http://schemas.microsoft.com/office/thememl/2012/main" name="Office Theme" id="{62F939B6-93AF-4DB8-9C6B-D6C7DFDC589F}" vid="{4A3C46E8-61CC-4603-A589-7422A47A8E4A}"/>
+      <thm15:themeFamily xmlns="" xmlns:thm15="http://schemas.microsoft.com/office/thememl/2012/main" name="Office Theme" id="{62F939B6-93AF-4DB8-9C6B-D6C7DFDC589F}" vid="{4A3C46E8-61CC-4603-A589-7422A47A8E4A}"/>
     </a:ext>
   </a:extLst>
 </a:theme>
@@ -9570,7 +9743,7 @@
   <a:extraClrSchemeLst/>
   <a:extLst>
     <a:ext uri="{05A4C25C-085E-4340-85A3-A5531E510DB2}">
-      <thm15:themeFamily xmlns:thm15="http://schemas.microsoft.com/office/thememl/2012/main" name="Office Theme" id="{62F939B6-93AF-4DB8-9C6B-D6C7DFDC589F}" vid="{4A3C46E8-61CC-4603-A589-7422A47A8E4A}"/>
+      <thm15:themeFamily xmlns="" xmlns:thm15="http://schemas.microsoft.com/office/thememl/2012/main" name="Office Theme" id="{62F939B6-93AF-4DB8-9C6B-D6C7DFDC589F}" vid="{4A3C46E8-61CC-4603-A589-7422A47A8E4A}"/>
     </a:ext>
   </a:extLst>
 </a:theme>
